--- a/edm_presentation.pptx
+++ b/edm_presentation.pptx
@@ -11,9 +11,12 @@
     <p:sldId id="258" r:id="rId5"/>
     <p:sldId id="264" r:id="rId6"/>
     <p:sldId id="260" r:id="rId7"/>
-    <p:sldId id="261" r:id="rId8"/>
-    <p:sldId id="262" r:id="rId9"/>
-    <p:sldId id="265" r:id="rId10"/>
+    <p:sldId id="266" r:id="rId8"/>
+    <p:sldId id="261" r:id="rId9"/>
+    <p:sldId id="267" r:id="rId10"/>
+    <p:sldId id="268" r:id="rId11"/>
+    <p:sldId id="262" r:id="rId12"/>
+    <p:sldId id="265" r:id="rId13"/>
   </p:sldIdLst>
   <p:sldSz cx="9144000" cy="6858000" type="screen4x3"/>
   <p:notesSz cx="6858000" cy="9144000"/>
@@ -3500,6 +3503,395 @@
 </p:sld>
 </file>
 
+<file path=ppt/slides/slide10.xml><?xml version="1.0" encoding="utf-8"?>
+<p:sld xmlns:a="http://schemas.openxmlformats.org/drawingml/2006/main" xmlns:r="http://schemas.openxmlformats.org/officeDocument/2006/relationships" xmlns:p="http://schemas.openxmlformats.org/presentationml/2006/main">
+  <p:cSld>
+    <p:spTree>
+      <p:nvGrpSpPr>
+        <p:cNvPr id="1" name=""/>
+        <p:cNvGrpSpPr/>
+        <p:nvPr/>
+      </p:nvGrpSpPr>
+      <p:grpSpPr>
+        <a:xfrm>
+          <a:off x="0" y="0"/>
+          <a:ext cx="0" cy="0"/>
+          <a:chOff x="0" y="0"/>
+          <a:chExt cx="0" cy="0"/>
+        </a:xfrm>
+      </p:grpSpPr>
+      <p:sp>
+        <p:nvSpPr>
+          <p:cNvPr id="2" name="Title 1"/>
+          <p:cNvSpPr>
+            <a:spLocks noGrp="1"/>
+          </p:cNvSpPr>
+          <p:nvPr>
+            <p:ph type="title"/>
+          </p:nvPr>
+        </p:nvSpPr>
+        <p:spPr/>
+        <p:txBody>
+          <a:bodyPr/>
+          <a:lstStyle/>
+          <a:p>
+            <a:r>
+              <a:rPr lang="en-US" dirty="0" smtClean="0"/>
+              <a:t>Elemental / Composite Concepts</a:t>
+            </a:r>
+            <a:endParaRPr lang="en-US" dirty="0"/>
+          </a:p>
+        </p:txBody>
+      </p:sp>
+      <p:sp>
+        <p:nvSpPr>
+          <p:cNvPr id="3" name="Content Placeholder 2"/>
+          <p:cNvSpPr>
+            <a:spLocks noGrp="1"/>
+          </p:cNvSpPr>
+          <p:nvPr>
+            <p:ph idx="1"/>
+          </p:nvPr>
+        </p:nvSpPr>
+        <p:spPr/>
+        <p:txBody>
+          <a:bodyPr/>
+          <a:lstStyle/>
+          <a:p>
+            <a:r>
+              <a:rPr lang="en-US" dirty="0" smtClean="0"/>
+              <a:t>After fuzzy clustering step, we are left with:</a:t>
+            </a:r>
+          </a:p>
+          <a:p>
+            <a:r>
+              <a:rPr lang="en-US" dirty="0" smtClean="0"/>
+              <a:t>1) A list of concept </a:t>
+            </a:r>
+            <a:r>
+              <a:rPr lang="en-US" dirty="0" err="1" smtClean="0"/>
+              <a:t>synsets</a:t>
+            </a:r>
+            <a:endParaRPr lang="en-US" dirty="0"/>
+          </a:p>
+          <a:p>
+            <a:r>
+              <a:rPr lang="en-US" dirty="0" smtClean="0"/>
+              <a:t>2) A list of clusters with concept membership probabilities and the layer that each cluster belongs to</a:t>
+            </a:r>
+          </a:p>
+          <a:p>
+            <a:r>
+              <a:rPr lang="en-US" dirty="0" smtClean="0"/>
+              <a:t>3) At each cluster layer, a concept can belong to multiple clusters in that layer, or no cluster in that layer.</a:t>
+            </a:r>
+          </a:p>
+          <a:p>
+            <a:pPr marL="0" indent="0">
+              <a:buNone/>
+            </a:pPr>
+            <a:r>
+              <a:rPr lang="en-US" b="1" u="sng" dirty="0" smtClean="0"/>
+              <a:t>Elemental Concepts:</a:t>
+            </a:r>
+          </a:p>
+          <a:p>
+            <a:pPr marL="0" indent="0">
+              <a:buNone/>
+            </a:pPr>
+            <a:r>
+              <a:rPr lang="en-US" dirty="0"/>
+              <a:t>	</a:t>
+            </a:r>
+            <a:r>
+              <a:rPr lang="en-US" dirty="0" smtClean="0"/>
+              <a:t>Intuitively should belong to more clusters</a:t>
+            </a:r>
+          </a:p>
+          <a:p>
+            <a:pPr marL="0" indent="0">
+              <a:buNone/>
+            </a:pPr>
+            <a:r>
+              <a:rPr lang="en-US" b="1" u="sng" dirty="0" smtClean="0"/>
+              <a:t>Composite Concepts:</a:t>
+            </a:r>
+          </a:p>
+          <a:p>
+            <a:pPr marL="0" indent="0">
+              <a:buNone/>
+            </a:pPr>
+            <a:r>
+              <a:rPr lang="en-US" dirty="0"/>
+              <a:t>	</a:t>
+            </a:r>
+            <a:r>
+              <a:rPr lang="en-US" dirty="0" smtClean="0"/>
+              <a:t>Intuitively should belong to fewer and higher-layer  	clusters</a:t>
+            </a:r>
+            <a:endParaRPr lang="en-US" dirty="0"/>
+          </a:p>
+        </p:txBody>
+      </p:sp>
+    </p:spTree>
+    <p:extLst>
+      <p:ext uri="{BB962C8B-B14F-4D97-AF65-F5344CB8AC3E}">
+        <p14:creationId xmlns:p14="http://schemas.microsoft.com/office/powerpoint/2010/main" val="1954298640"/>
+      </p:ext>
+    </p:extLst>
+  </p:cSld>
+  <p:clrMapOvr>
+    <a:masterClrMapping/>
+  </p:clrMapOvr>
+</p:sld>
+</file>
+
+<file path=ppt/slides/slide11.xml><?xml version="1.0" encoding="utf-8"?>
+<p:sld xmlns:a="http://schemas.openxmlformats.org/drawingml/2006/main" xmlns:r="http://schemas.openxmlformats.org/officeDocument/2006/relationships" xmlns:p="http://schemas.openxmlformats.org/presentationml/2006/main">
+  <p:cSld>
+    <p:spTree>
+      <p:nvGrpSpPr>
+        <p:cNvPr id="1" name=""/>
+        <p:cNvGrpSpPr/>
+        <p:nvPr/>
+      </p:nvGrpSpPr>
+      <p:grpSpPr>
+        <a:xfrm>
+          <a:off x="0" y="0"/>
+          <a:ext cx="0" cy="0"/>
+          <a:chOff x="0" y="0"/>
+          <a:chExt cx="0" cy="0"/>
+        </a:xfrm>
+      </p:grpSpPr>
+      <p:sp>
+        <p:nvSpPr>
+          <p:cNvPr id="2" name="Title 1"/>
+          <p:cNvSpPr>
+            <a:spLocks noGrp="1"/>
+          </p:cNvSpPr>
+          <p:nvPr>
+            <p:ph type="title"/>
+          </p:nvPr>
+        </p:nvSpPr>
+        <p:spPr/>
+        <p:txBody>
+          <a:bodyPr/>
+          <a:lstStyle/>
+          <a:p>
+            <a:r>
+              <a:rPr lang="en-US" dirty="0" smtClean="0"/>
+              <a:t>Baselines and Comparisons</a:t>
+            </a:r>
+            <a:endParaRPr lang="en-US" dirty="0"/>
+          </a:p>
+        </p:txBody>
+      </p:sp>
+      <p:sp>
+        <p:nvSpPr>
+          <p:cNvPr id="3" name="Content Placeholder 2"/>
+          <p:cNvSpPr>
+            <a:spLocks noGrp="1"/>
+          </p:cNvSpPr>
+          <p:nvPr>
+            <p:ph idx="1"/>
+          </p:nvPr>
+        </p:nvSpPr>
+        <p:spPr/>
+        <p:txBody>
+          <a:bodyPr/>
+          <a:lstStyle/>
+          <a:p>
+            <a:r>
+              <a:rPr lang="en-US" dirty="0" smtClean="0"/>
+              <a:t>Automatic Taxonomy building:</a:t>
+            </a:r>
+          </a:p>
+          <a:p>
+            <a:pPr lvl="1"/>
+            <a:r>
+              <a:rPr lang="en-US" dirty="0"/>
+              <a:t>Han’s paper (Poincare </a:t>
+            </a:r>
+            <a:r>
+              <a:rPr lang="en-US" dirty="0" err="1"/>
+              <a:t>embeddings</a:t>
+            </a:r>
+            <a:r>
+              <a:rPr lang="en-US" dirty="0" smtClean="0"/>
+              <a:t>)?</a:t>
+            </a:r>
+          </a:p>
+          <a:p>
+            <a:r>
+              <a:rPr lang="en-US" dirty="0" smtClean="0"/>
+              <a:t>MOOC concept work:</a:t>
+            </a:r>
+          </a:p>
+          <a:p>
+            <a:pPr lvl="1"/>
+            <a:r>
+              <a:rPr lang="en-US" dirty="0" smtClean="0">
+                <a:hlinkClick r:id="rId2"/>
+              </a:rPr>
+              <a:t>Course Concept Extraction in MOOCs via Embedding-Based Graph Propagation</a:t>
+            </a:r>
+            <a:endParaRPr lang="en-US" dirty="0" smtClean="0"/>
+          </a:p>
+          <a:p>
+            <a:pPr lvl="1"/>
+            <a:r>
+              <a:rPr lang="en-US" dirty="0" smtClean="0">
+                <a:hlinkClick r:id="rId3"/>
+              </a:rPr>
+              <a:t>MOOCon: A Framework for Semi-supervised Concept Extraction from MOOC Content</a:t>
+            </a:r>
+            <a:endParaRPr lang="en-US" dirty="0" smtClean="0"/>
+          </a:p>
+          <a:p>
+            <a:pPr lvl="1"/>
+            <a:r>
+              <a:rPr lang="en-US" dirty="0" smtClean="0">
+                <a:hlinkClick r:id="rId4"/>
+              </a:rPr>
+              <a:t>Prerequisite Relation Learning for Concepts in MOOCs</a:t>
+            </a:r>
+            <a:endParaRPr lang="en-US" dirty="0" smtClean="0"/>
+          </a:p>
+          <a:p>
+            <a:pPr lvl="1"/>
+            <a:r>
+              <a:rPr lang="en-US" dirty="0" smtClean="0">
+                <a:hlinkClick r:id="rId5"/>
+              </a:rPr>
+              <a:t>Towards the Semantic MOOC: Extracting, Enriching and Interlinking E-Learning Data in Open edX Platform</a:t>
+            </a:r>
+            <a:endParaRPr lang="en-US" dirty="0" smtClean="0"/>
+          </a:p>
+          <a:p>
+            <a:pPr lvl="1"/>
+            <a:endParaRPr lang="en-US" dirty="0"/>
+          </a:p>
+        </p:txBody>
+      </p:sp>
+    </p:spTree>
+    <p:extLst>
+      <p:ext uri="{BB962C8B-B14F-4D97-AF65-F5344CB8AC3E}">
+        <p14:creationId xmlns:p14="http://schemas.microsoft.com/office/powerpoint/2010/main" val="3164684958"/>
+      </p:ext>
+    </p:extLst>
+  </p:cSld>
+  <p:clrMapOvr>
+    <a:masterClrMapping/>
+  </p:clrMapOvr>
+  <p:timing>
+    <p:tnLst>
+      <p:par>
+        <p:cTn xmlns:p14="http://schemas.microsoft.com/office/powerpoint/2010/main" id="1" dur="indefinite" restart="never" nodeType="tmRoot"/>
+      </p:par>
+    </p:tnLst>
+  </p:timing>
+</p:sld>
+</file>
+
+<file path=ppt/slides/slide12.xml><?xml version="1.0" encoding="utf-8"?>
+<p:sld xmlns:a="http://schemas.openxmlformats.org/drawingml/2006/main" xmlns:r="http://schemas.openxmlformats.org/officeDocument/2006/relationships" xmlns:p="http://schemas.openxmlformats.org/presentationml/2006/main">
+  <p:cSld>
+    <p:spTree>
+      <p:nvGrpSpPr>
+        <p:cNvPr id="1" name=""/>
+        <p:cNvGrpSpPr/>
+        <p:nvPr/>
+      </p:nvGrpSpPr>
+      <p:grpSpPr>
+        <a:xfrm>
+          <a:off x="0" y="0"/>
+          <a:ext cx="0" cy="0"/>
+          <a:chOff x="0" y="0"/>
+          <a:chExt cx="0" cy="0"/>
+        </a:xfrm>
+      </p:grpSpPr>
+      <p:sp>
+        <p:nvSpPr>
+          <p:cNvPr id="2" name="Title 1"/>
+          <p:cNvSpPr>
+            <a:spLocks noGrp="1"/>
+          </p:cNvSpPr>
+          <p:nvPr>
+            <p:ph type="title"/>
+          </p:nvPr>
+        </p:nvSpPr>
+        <p:spPr/>
+        <p:txBody>
+          <a:bodyPr>
+            <a:normAutofit fontScale="90000"/>
+          </a:bodyPr>
+          <a:lstStyle/>
+          <a:p>
+            <a:r>
+              <a:rPr lang="en-US" dirty="0" smtClean="0"/>
+              <a:t>Possible Connection to Concept Difficulty</a:t>
+            </a:r>
+            <a:endParaRPr lang="en-US" dirty="0"/>
+          </a:p>
+        </p:txBody>
+      </p:sp>
+      <p:sp>
+        <p:nvSpPr>
+          <p:cNvPr id="3" name="Content Placeholder 2"/>
+          <p:cNvSpPr>
+            <a:spLocks noGrp="1"/>
+          </p:cNvSpPr>
+          <p:nvPr>
+            <p:ph idx="1"/>
+          </p:nvPr>
+        </p:nvSpPr>
+        <p:spPr/>
+        <p:txBody>
+          <a:bodyPr/>
+          <a:lstStyle/>
+          <a:p>
+            <a:pPr marL="0" indent="0">
+              <a:buNone/>
+            </a:pPr>
+            <a:r>
+              <a:rPr lang="en-US" b="1" i="1" dirty="0" smtClean="0">
+                <a:solidFill>
+                  <a:srgbClr val="660066"/>
+                </a:solidFill>
+              </a:rPr>
+              <a:t>Later for next work:</a:t>
+            </a:r>
+          </a:p>
+          <a:p>
+            <a:r>
+              <a:rPr lang="en-US" dirty="0" smtClean="0"/>
+              <a:t>Can we use features learned in this work (i.e. concept phrase </a:t>
+            </a:r>
+            <a:r>
+              <a:rPr lang="en-US" dirty="0" err="1" smtClean="0"/>
+              <a:t>embeddings</a:t>
+            </a:r>
+            <a:r>
+              <a:rPr lang="en-US" dirty="0" smtClean="0"/>
+              <a:t>, cluster membership) to infer something about concept difficulty/complexity?</a:t>
+            </a:r>
+            <a:endParaRPr lang="en-US" dirty="0"/>
+          </a:p>
+        </p:txBody>
+      </p:sp>
+    </p:spTree>
+    <p:extLst>
+      <p:ext uri="{BB962C8B-B14F-4D97-AF65-F5344CB8AC3E}">
+        <p14:creationId xmlns:p14="http://schemas.microsoft.com/office/powerpoint/2010/main" val="3598363631"/>
+      </p:ext>
+    </p:extLst>
+  </p:cSld>
+  <p:clrMapOvr>
+    <a:masterClrMapping/>
+  </p:clrMapOvr>
+</p:sld>
+</file>
+
 <file path=ppt/slides/slide2.xml><?xml version="1.0" encoding="utf-8"?>
 <p:sld xmlns:a="http://schemas.openxmlformats.org/drawingml/2006/main" xmlns:r="http://schemas.openxmlformats.org/officeDocument/2006/relationships" xmlns:p="http://schemas.openxmlformats.org/presentationml/2006/main">
   <p:cSld>
@@ -3553,7 +3945,7 @@
         <p:spPr/>
         <p:txBody>
           <a:bodyPr>
-            <a:normAutofit fontScale="92500"/>
+            <a:normAutofit fontScale="92500" lnSpcReduction="20000"/>
           </a:bodyPr>
           <a:lstStyle/>
           <a:p>
@@ -3580,14 +3972,30 @@
             <a:pPr lvl="1"/>
             <a:r>
               <a:rPr lang="en-US" dirty="0" smtClean="0"/>
-              <a:t>Insisted on the use of textbook indexes as gold standard for concept representation</a:t>
+              <a:t>Insisted on the use of textbook indexes as gold standard for concept representation </a:t>
+            </a:r>
+            <a:r>
+              <a:rPr lang="en-US" dirty="0" smtClean="0">
+                <a:solidFill>
+                  <a:srgbClr val="008000"/>
+                </a:solidFill>
+              </a:rPr>
+              <a:t>(will still use textbooks corresponding to MOOCs in EDM)</a:t>
             </a:r>
           </a:p>
           <a:p>
             <a:pPr lvl="1"/>
             <a:r>
               <a:rPr lang="en-US" dirty="0" smtClean="0"/>
-              <a:t>Stressed Elemental/Composite concepts in concept space structure</a:t>
+              <a:t>Stressed Elemental/Composite concepts in concept space structure </a:t>
+            </a:r>
+            <a:r>
+              <a:rPr lang="en-US" dirty="0" smtClean="0">
+                <a:solidFill>
+                  <a:srgbClr val="008000"/>
+                </a:solidFill>
+              </a:rPr>
+              <a:t>(This will still be central in EDM)</a:t>
             </a:r>
           </a:p>
           <a:p>
@@ -3603,6 +4011,42 @@
               </a:rPr>
               <a:t>(New)</a:t>
             </a:r>
+          </a:p>
+          <a:p>
+            <a:pPr lvl="1"/>
+            <a:r>
+              <a:rPr lang="en-US" dirty="0" smtClean="0">
+                <a:solidFill>
+                  <a:srgbClr val="008000"/>
+                </a:solidFill>
+              </a:rPr>
+              <a:t>Introduce </a:t>
+            </a:r>
+            <a:r>
+              <a:rPr lang="en-US" dirty="0">
+                <a:solidFill>
+                  <a:srgbClr val="008000"/>
+                </a:solidFill>
+              </a:rPr>
+              <a:t>Elemental/Composite concepts in concept space </a:t>
+            </a:r>
+            <a:r>
+              <a:rPr lang="en-US" dirty="0" smtClean="0">
+                <a:solidFill>
+                  <a:srgbClr val="008000"/>
+                </a:solidFill>
+              </a:rPr>
+              <a:t>structure</a:t>
+            </a:r>
+            <a:r>
+              <a:rPr lang="en-US" dirty="0" smtClean="0"/>
+              <a:t> </a:t>
+            </a:r>
+            <a:endParaRPr lang="en-US" dirty="0">
+              <a:solidFill>
+                <a:srgbClr val="008000"/>
+              </a:solidFill>
+            </a:endParaRPr>
           </a:p>
           <a:p>
             <a:pPr lvl="1"/>
@@ -4663,8 +5107,8 @@
           <a:lstStyle/>
           <a:p>
             <a:r>
-              <a:rPr lang="en-US" dirty="0" smtClean="0"/>
-              <a:t>Concept Space Structure</a:t>
+              <a:rPr lang="en-US" dirty="0" err="1" smtClean="0"/>
+              <a:t>Synsets</a:t>
             </a:r>
             <a:endParaRPr lang="en-US" dirty="0"/>
           </a:p>
@@ -4682,21 +5126,27 @@
         </p:nvSpPr>
         <p:spPr/>
         <p:txBody>
-          <a:bodyPr>
-            <a:normAutofit lnSpcReduction="10000"/>
-          </a:bodyPr>
-          <a:lstStyle/>
-          <a:p>
-            <a:pPr marL="0" indent="0">
-              <a:buNone/>
-            </a:pPr>
-            <a:r>
-              <a:rPr lang="en-US" b="1" dirty="0" smtClean="0"/>
-              <a:t>General idea</a:t>
-            </a:r>
-            <a:r>
-              <a:rPr lang="en-US" dirty="0" smtClean="0"/>
-              <a:t> is forming fuzzy clusters of concept phrases using </a:t>
+          <a:bodyPr/>
+          <a:lstStyle/>
+          <a:p>
+            <a:r>
+              <a:rPr lang="en-US" dirty="0" smtClean="0"/>
+              <a:t>Each concept is represented by a </a:t>
+            </a:r>
+            <a:r>
+              <a:rPr lang="en-US" dirty="0" err="1" smtClean="0"/>
+              <a:t>Synset</a:t>
+            </a:r>
+            <a:r>
+              <a:rPr lang="en-US" dirty="0" smtClean="0"/>
+              <a:t> (synonym set):</a:t>
+            </a:r>
+          </a:p>
+          <a:p>
+            <a:pPr lvl="1"/>
+            <a:r>
+              <a:rPr lang="en-US" dirty="0" smtClean="0"/>
+              <a:t>We use the phrase </a:t>
             </a:r>
             <a:r>
               <a:rPr lang="en-US" dirty="0" err="1" smtClean="0"/>
@@ -4704,96 +5154,131 @@
             </a:r>
             <a:r>
               <a:rPr lang="en-US" dirty="0" smtClean="0"/>
-              <a:t>. Allow clusters to be “layered” on top of one another in an approximate hierarchical structure. Goal is to not reach one big cluster at the end, but to discover “good quality” clusters at each level.</a:t>
-            </a:r>
-          </a:p>
-          <a:p>
-            <a:r>
-              <a:rPr lang="en-US" dirty="0" smtClean="0"/>
-              <a:t>Method 1</a:t>
+              <a:t> from previous slide and set a min pairwise threshold and min for </a:t>
+            </a:r>
+            <a:r>
+              <a:rPr lang="en-US" dirty="0" err="1" smtClean="0"/>
+              <a:t>synset</a:t>
+            </a:r>
+            <a:r>
+              <a:rPr lang="en-US" dirty="0" smtClean="0"/>
+              <a:t> similarity: if 2 or more embedding vectors are too similar to each other, they belong to one </a:t>
+            </a:r>
+            <a:r>
+              <a:rPr lang="en-US" dirty="0" err="1" smtClean="0"/>
+              <a:t>synset</a:t>
+            </a:r>
+            <a:r>
+              <a:rPr lang="en-US" dirty="0" smtClean="0"/>
+              <a:t>.</a:t>
+            </a:r>
+          </a:p>
+          <a:p>
+            <a:pPr lvl="1"/>
+            <a:r>
+              <a:rPr lang="en-US" dirty="0" smtClean="0"/>
+              <a:t>Each </a:t>
+            </a:r>
+            <a:r>
+              <a:rPr lang="en-US" dirty="0" err="1" smtClean="0"/>
+              <a:t>synset</a:t>
+            </a:r>
+            <a:r>
+              <a:rPr lang="en-US" dirty="0" smtClean="0"/>
+              <a:t> is represented by </a:t>
+            </a:r>
+            <a:r>
+              <a:rPr lang="en-US" b="1" i="1" dirty="0" smtClean="0"/>
+              <a:t>one</a:t>
+            </a:r>
+            <a:r>
+              <a:rPr lang="en-US" dirty="0" smtClean="0"/>
+              <a:t> embedding vector before we begin clustering; it is set to average now </a:t>
             </a:r>
             <a:r>
               <a:rPr lang="en-US" dirty="0" smtClean="0">
                 <a:solidFill>
-                  <a:srgbClr val="008000"/>
-                </a:solidFill>
-              </a:rPr>
-              <a:t>(new EDM - Done)</a:t>
-            </a:r>
-            <a:r>
-              <a:rPr lang="en-US" dirty="0" smtClean="0"/>
-              <a:t>: Layered Fuzzy c-means (bottom up)</a:t>
-            </a:r>
-          </a:p>
-          <a:p>
-            <a:pPr lvl="1"/>
-            <a:r>
-              <a:rPr lang="en-US" dirty="0" smtClean="0"/>
-              <a:t>Start with number of clusters K = number of concept phrases</a:t>
-            </a:r>
-          </a:p>
-          <a:p>
-            <a:pPr lvl="1"/>
-            <a:r>
-              <a:rPr lang="en-US" dirty="0" smtClean="0"/>
-              <a:t>perform Fuzzy c-means and keep only “good” clusters</a:t>
-            </a:r>
-          </a:p>
-          <a:p>
-            <a:pPr lvl="1"/>
-            <a:r>
-              <a:rPr lang="en-US" dirty="0" smtClean="0"/>
-              <a:t>Iteratively decrease K = K-1 until K=1, repeat keeping only good quality clusters</a:t>
-            </a:r>
-          </a:p>
-          <a:p>
-            <a:r>
-              <a:rPr lang="en-US" dirty="0" smtClean="0"/>
-              <a:t>Method 2</a:t>
-            </a:r>
-            <a:r>
-              <a:rPr lang="en-US" dirty="0">
-                <a:solidFill>
-                  <a:srgbClr val="008000"/>
-                </a:solidFill>
-              </a:rPr>
-              <a:t>(new </a:t>
+                  <a:srgbClr val="FF0000"/>
+                </a:solidFill>
+              </a:rPr>
+              <a:t>(This is all old code from previous work, just neglected to add it)</a:t>
+            </a:r>
+          </a:p>
+          <a:p>
+            <a:r>
+              <a:rPr lang="en-US" b="1" dirty="0" smtClean="0">
+                <a:solidFill>
+                  <a:srgbClr val="292934"/>
+                </a:solidFill>
+              </a:rPr>
+              <a:t>Clustering </a:t>
+            </a:r>
+            <a:r>
+              <a:rPr lang="en-US" b="1" i="1" dirty="0" smtClean="0">
+                <a:solidFill>
+                  <a:srgbClr val="292934"/>
+                </a:solidFill>
+              </a:rPr>
+              <a:t>then</a:t>
+            </a:r>
+            <a:r>
+              <a:rPr lang="en-US" b="1" dirty="0" smtClean="0">
+                <a:solidFill>
+                  <a:srgbClr val="292934"/>
+                </a:solidFill>
+              </a:rPr>
+              <a:t> </a:t>
             </a:r>
             <a:r>
               <a:rPr lang="en-US" dirty="0" smtClean="0">
                 <a:solidFill>
-                  <a:srgbClr val="008000"/>
-                </a:solidFill>
-              </a:rPr>
-              <a:t>EDM </a:t>
-            </a:r>
-            <a:r>
-              <a:rPr lang="mr-IN" dirty="0" smtClean="0">
-                <a:solidFill>
-                  <a:srgbClr val="008000"/>
-                </a:solidFill>
-              </a:rPr>
-              <a:t>–</a:t>
+                  <a:srgbClr val="292934"/>
+                </a:solidFill>
+              </a:rPr>
+              <a:t>happens on </a:t>
+            </a:r>
+            <a:r>
+              <a:rPr lang="en-US" b="1" dirty="0" smtClean="0">
+                <a:solidFill>
+                  <a:srgbClr val="292934"/>
+                </a:solidFill>
+              </a:rPr>
+              <a:t>top</a:t>
             </a:r>
             <a:r>
               <a:rPr lang="en-US" dirty="0" smtClean="0">
                 <a:solidFill>
-                  <a:srgbClr val="008000"/>
-                </a:solidFill>
-              </a:rPr>
-              <a:t> in progress)</a:t>
-            </a:r>
-            <a:r>
-              <a:rPr lang="en-US" dirty="0" smtClean="0"/>
-              <a:t>: Hierarchical text clustering (top down)</a:t>
-            </a:r>
+                  <a:srgbClr val="292934"/>
+                </a:solidFill>
+              </a:rPr>
+              <a:t> of </a:t>
+            </a:r>
+            <a:r>
+              <a:rPr lang="en-US" dirty="0" err="1" smtClean="0">
+                <a:solidFill>
+                  <a:srgbClr val="292934"/>
+                </a:solidFill>
+              </a:rPr>
+              <a:t>synset</a:t>
+            </a:r>
+            <a:r>
+              <a:rPr lang="en-US" dirty="0" smtClean="0">
+                <a:solidFill>
+                  <a:srgbClr val="292934"/>
+                </a:solidFill>
+              </a:rPr>
+              <a:t> level</a:t>
+            </a:r>
+          </a:p>
+          <a:p>
+            <a:endParaRPr lang="en-US" dirty="0"/>
           </a:p>
         </p:txBody>
       </p:sp>
     </p:spTree>
     <p:extLst>
       <p:ext uri="{BB962C8B-B14F-4D97-AF65-F5344CB8AC3E}">
-        <p14:creationId xmlns:p14="http://schemas.microsoft.com/office/powerpoint/2010/main" val="825253035"/>
+        <p14:creationId xmlns:p14="http://schemas.microsoft.com/office/powerpoint/2010/main" val="345242038"/>
       </p:ext>
     </p:extLst>
   </p:cSld>
@@ -4837,7 +5322,7 @@
           <a:p>
             <a:r>
               <a:rPr lang="en-US" dirty="0" smtClean="0"/>
-              <a:t>Baselines and Comparisons</a:t>
+              <a:t>Concept Space Structure</a:t>
             </a:r>
             <a:endParaRPr lang="en-US" dirty="0"/>
           </a:p>
@@ -4855,98 +5340,132 @@
         </p:nvSpPr>
         <p:spPr/>
         <p:txBody>
-          <a:bodyPr/>
-          <a:lstStyle/>
-          <a:p>
-            <a:r>
-              <a:rPr lang="en-US" dirty="0" smtClean="0"/>
-              <a:t>Automatic Taxonomy building:</a:t>
+          <a:bodyPr>
+            <a:normAutofit lnSpcReduction="10000"/>
+          </a:bodyPr>
+          <a:lstStyle/>
+          <a:p>
+            <a:pPr marL="0" indent="0">
+              <a:buNone/>
+            </a:pPr>
+            <a:r>
+              <a:rPr lang="en-US" b="1" dirty="0" smtClean="0"/>
+              <a:t>General idea</a:t>
+            </a:r>
+            <a:r>
+              <a:rPr lang="en-US" dirty="0" smtClean="0"/>
+              <a:t> is forming fuzzy clusters of concepts using </a:t>
+            </a:r>
+            <a:r>
+              <a:rPr lang="en-US" dirty="0" err="1" smtClean="0"/>
+              <a:t>synset</a:t>
+            </a:r>
+            <a:r>
+              <a:rPr lang="en-US" dirty="0" smtClean="0"/>
+              <a:t> </a:t>
+            </a:r>
+            <a:r>
+              <a:rPr lang="en-US" dirty="0" err="1" smtClean="0"/>
+              <a:t>embeddings</a:t>
+            </a:r>
+            <a:r>
+              <a:rPr lang="en-US" dirty="0" smtClean="0"/>
+              <a:t>. Allow clusters to be “layered” on top of one another in an approximate hierarchical structure. Goal is to not reach one big cluster at the end, but to discover “good quality” clusters at each level.</a:t>
+            </a:r>
+          </a:p>
+          <a:p>
+            <a:r>
+              <a:rPr lang="en-US" dirty="0" smtClean="0"/>
+              <a:t>Method 1</a:t>
+            </a:r>
+            <a:r>
+              <a:rPr lang="en-US" dirty="0" smtClean="0">
+                <a:solidFill>
+                  <a:srgbClr val="008000"/>
+                </a:solidFill>
+              </a:rPr>
+              <a:t>(new EDM - Done)</a:t>
+            </a:r>
+            <a:r>
+              <a:rPr lang="en-US" dirty="0" smtClean="0"/>
+              <a:t>: Layered Fuzzy c-means (bottom up)</a:t>
             </a:r>
           </a:p>
           <a:p>
             <a:pPr lvl="1"/>
             <a:r>
-              <a:rPr lang="en-US" dirty="0"/>
-              <a:t>Han’s paper (Poincare </a:t>
-            </a:r>
-            <a:r>
-              <a:rPr lang="en-US" dirty="0" err="1"/>
-              <a:t>embeddings</a:t>
-            </a:r>
-            <a:r>
-              <a:rPr lang="en-US" dirty="0" smtClean="0"/>
-              <a:t>)?</a:t>
-            </a:r>
-          </a:p>
-          <a:p>
-            <a:r>
-              <a:rPr lang="en-US" dirty="0" smtClean="0"/>
-              <a:t>MOOC concept work:</a:t>
+              <a:rPr lang="en-US" dirty="0" smtClean="0"/>
+              <a:t>Start with number of clusters K = number of concept phrases</a:t>
             </a:r>
           </a:p>
           <a:p>
             <a:pPr lvl="1"/>
             <a:r>
+              <a:rPr lang="en-US" dirty="0" smtClean="0"/>
+              <a:t>perform Fuzzy c-means and keep only “good” clusters</a:t>
+            </a:r>
+          </a:p>
+          <a:p>
+            <a:pPr lvl="1"/>
+            <a:r>
+              <a:rPr lang="en-US" dirty="0" smtClean="0"/>
+              <a:t>Iteratively decrease K = K-1 until K=1, repeat keeping only good quality clusters</a:t>
+            </a:r>
+          </a:p>
+          <a:p>
+            <a:r>
+              <a:rPr lang="en-US" dirty="0" smtClean="0"/>
+              <a:t>Method 2</a:t>
+            </a:r>
+            <a:r>
+              <a:rPr lang="en-US" dirty="0">
+                <a:solidFill>
+                  <a:srgbClr val="008000"/>
+                </a:solidFill>
+              </a:rPr>
+              <a:t>(new </a:t>
+            </a:r>
+            <a:r>
               <a:rPr lang="en-US" dirty="0" smtClean="0">
-                <a:hlinkClick r:id="rId2"/>
-              </a:rPr>
-              <a:t>Course Concept Extraction in MOOCs via Embedding-Based Graph Propagation</a:t>
-            </a:r>
-            <a:endParaRPr lang="en-US" dirty="0" smtClean="0"/>
-          </a:p>
-          <a:p>
-            <a:pPr lvl="1"/>
+                <a:solidFill>
+                  <a:srgbClr val="008000"/>
+                </a:solidFill>
+              </a:rPr>
+              <a:t>EDM </a:t>
+            </a:r>
+            <a:r>
+              <a:rPr lang="mr-IN" dirty="0" smtClean="0">
+                <a:solidFill>
+                  <a:srgbClr val="008000"/>
+                </a:solidFill>
+              </a:rPr>
+              <a:t>–</a:t>
+            </a:r>
             <a:r>
               <a:rPr lang="en-US" dirty="0" smtClean="0">
-                <a:hlinkClick r:id="rId3"/>
-              </a:rPr>
-              <a:t>MOOCon: A Framework for Semi-supervised Concept Extraction from MOOC Content</a:t>
-            </a:r>
-            <a:endParaRPr lang="en-US" dirty="0" smtClean="0"/>
-          </a:p>
-          <a:p>
-            <a:pPr lvl="1"/>
-            <a:r>
-              <a:rPr lang="en-US" dirty="0" smtClean="0">
-                <a:hlinkClick r:id="rId4"/>
-              </a:rPr>
-              <a:t>Prerequisite Relation Learning for Concepts in MOOCs</a:t>
-            </a:r>
-            <a:endParaRPr lang="en-US" dirty="0" smtClean="0"/>
-          </a:p>
-          <a:p>
-            <a:pPr lvl="1"/>
-            <a:r>
-              <a:rPr lang="en-US" dirty="0" smtClean="0">
-                <a:hlinkClick r:id="rId5"/>
-              </a:rPr>
-              <a:t>Towards the Semantic MOOC: Extracting, Enriching and Interlinking E-Learning Data in Open edX Platform</a:t>
-            </a:r>
-            <a:endParaRPr lang="en-US" dirty="0" smtClean="0"/>
-          </a:p>
-          <a:p>
-            <a:pPr lvl="1"/>
-            <a:endParaRPr lang="en-US" dirty="0"/>
+                <a:solidFill>
+                  <a:srgbClr val="008000"/>
+                </a:solidFill>
+              </a:rPr>
+              <a:t> in progress)</a:t>
+            </a:r>
+            <a:r>
+              <a:rPr lang="en-US" dirty="0" smtClean="0"/>
+              <a:t>: Hierarchical text clustering (top down)</a:t>
+            </a:r>
           </a:p>
         </p:txBody>
       </p:sp>
     </p:spTree>
     <p:extLst>
       <p:ext uri="{BB962C8B-B14F-4D97-AF65-F5344CB8AC3E}">
-        <p14:creationId xmlns:p14="http://schemas.microsoft.com/office/powerpoint/2010/main" val="3164684958"/>
+        <p14:creationId xmlns:p14="http://schemas.microsoft.com/office/powerpoint/2010/main" val="825253035"/>
       </p:ext>
     </p:extLst>
   </p:cSld>
   <p:clrMapOvr>
     <a:masterClrMapping/>
   </p:clrMapOvr>
-  <p:timing>
-    <p:tnLst>
-      <p:par>
-        <p:cTn xmlns:p14="http://schemas.microsoft.com/office/powerpoint/2010/main" id="1" dur="indefinite" restart="never" nodeType="tmRoot"/>
-      </p:par>
-    </p:tnLst>
-  </p:timing>
 </p:sld>
 </file>
 
@@ -4979,58 +5498,99 @@
         </p:nvSpPr>
         <p:spPr/>
         <p:txBody>
+          <a:bodyPr/>
+          <a:lstStyle/>
+          <a:p>
+            <a:r>
+              <a:rPr lang="en-US" dirty="0" smtClean="0"/>
+              <a:t>Cluster Quality Control</a:t>
+            </a:r>
+            <a:endParaRPr lang="en-US" dirty="0"/>
+          </a:p>
+        </p:txBody>
+      </p:sp>
+      <p:sp>
+        <p:nvSpPr>
+          <p:cNvPr id="3" name="Content Placeholder 2"/>
+          <p:cNvSpPr>
+            <a:spLocks noGrp="1"/>
+          </p:cNvSpPr>
+          <p:nvPr>
+            <p:ph idx="1"/>
+          </p:nvPr>
+        </p:nvSpPr>
+        <p:spPr/>
+        <p:txBody>
           <a:bodyPr>
-            <a:normAutofit fontScale="90000"/>
+            <a:normAutofit lnSpcReduction="10000"/>
           </a:bodyPr>
           <a:lstStyle/>
           <a:p>
             <a:r>
               <a:rPr lang="en-US" dirty="0" smtClean="0"/>
-              <a:t>Possible Connection to Concept Difficulty</a:t>
-            </a:r>
-            <a:endParaRPr lang="en-US" dirty="0"/>
-          </a:p>
-        </p:txBody>
-      </p:sp>
-      <p:sp>
-        <p:nvSpPr>
-          <p:cNvPr id="3" name="Content Placeholder 2"/>
-          <p:cNvSpPr>
-            <a:spLocks noGrp="1"/>
-          </p:cNvSpPr>
-          <p:nvPr>
-            <p:ph idx="1"/>
-          </p:nvPr>
-        </p:nvSpPr>
-        <p:spPr/>
-        <p:txBody>
-          <a:bodyPr/>
-          <a:lstStyle/>
-          <a:p>
-            <a:pPr marL="0" indent="0">
-              <a:buNone/>
-            </a:pPr>
-            <a:r>
-              <a:rPr lang="en-US" b="1" i="1" dirty="0" smtClean="0">
-                <a:solidFill>
-                  <a:srgbClr val="660066"/>
-                </a:solidFill>
-              </a:rPr>
-              <a:t>Later for next work:</a:t>
-            </a:r>
-          </a:p>
-          <a:p>
-            <a:r>
-              <a:rPr lang="en-US" dirty="0" smtClean="0"/>
-              <a:t>Can we use features learned in this work (i.e. concept phrase </a:t>
+              <a:t>At present: fuzzy c-means clustering outputs a “membership matrix” for data points and clusters with probabilities that each data point (concept </a:t>
             </a:r>
             <a:r>
               <a:rPr lang="en-US" dirty="0" err="1" smtClean="0"/>
-              <a:t>embeddings</a:t>
-            </a:r>
-            <a:r>
-              <a:rPr lang="en-US" dirty="0" smtClean="0"/>
-              <a:t>, cluster membership) to infer something about concept difficulty/complexity?</a:t>
+              <a:t>synset</a:t>
+            </a:r>
+            <a:r>
+              <a:rPr lang="en-US" dirty="0" smtClean="0"/>
+              <a:t>) belongs to each cluster. </a:t>
+            </a:r>
+          </a:p>
+          <a:p>
+            <a:r>
+              <a:rPr lang="en-US" dirty="0" smtClean="0"/>
+              <a:t>A threshold is set for a concept </a:t>
+            </a:r>
+            <a:r>
+              <a:rPr lang="en-US" dirty="0" err="1" smtClean="0"/>
+              <a:t>synset</a:t>
+            </a:r>
+            <a:r>
+              <a:rPr lang="en-US" dirty="0" smtClean="0"/>
+              <a:t> to belong to a cluster during each clustering layer (still testing for best values). If membership probability of a concept </a:t>
+            </a:r>
+            <a:r>
+              <a:rPr lang="en-US" dirty="0" err="1" smtClean="0"/>
+              <a:t>synset</a:t>
+            </a:r>
+            <a:r>
+              <a:rPr lang="en-US" dirty="0" smtClean="0"/>
+              <a:t> is less than threshold, the concept does not belong to the cluster. This might leave some </a:t>
+            </a:r>
+            <a:r>
+              <a:rPr lang="en-US" dirty="0" err="1" smtClean="0"/>
+              <a:t>synsets</a:t>
+            </a:r>
+            <a:r>
+              <a:rPr lang="en-US" dirty="0" smtClean="0"/>
+              <a:t> with no cluster to belong to at each layer; this is OK.</a:t>
+            </a:r>
+          </a:p>
+          <a:p>
+            <a:r>
+              <a:rPr lang="en-US" dirty="0" smtClean="0"/>
+              <a:t>Depending on the threshold, the concept </a:t>
+            </a:r>
+            <a:r>
+              <a:rPr lang="en-US" dirty="0" err="1" smtClean="0"/>
+              <a:t>synset</a:t>
+            </a:r>
+            <a:r>
+              <a:rPr lang="en-US" dirty="0" smtClean="0"/>
+              <a:t> might belong to more than 1 cluster at a layer; this is OK too.</a:t>
+            </a:r>
+          </a:p>
+          <a:p>
+            <a:r>
+              <a:rPr lang="en-US" b="1" dirty="0" smtClean="0"/>
+              <a:t>Global cluster quality </a:t>
+            </a:r>
+            <a:r>
+              <a:rPr lang="en-US" dirty="0" smtClean="0"/>
+              <a:t>measures are being explored.</a:t>
             </a:r>
             <a:endParaRPr lang="en-US" dirty="0"/>
           </a:p>
@@ -5039,7 +5599,7 @@
     </p:spTree>
     <p:extLst>
       <p:ext uri="{BB962C8B-B14F-4D97-AF65-F5344CB8AC3E}">
-        <p14:creationId xmlns:p14="http://schemas.microsoft.com/office/powerpoint/2010/main" val="3598363631"/>
+        <p14:creationId xmlns:p14="http://schemas.microsoft.com/office/powerpoint/2010/main" val="1058633576"/>
       </p:ext>
     </p:extLst>
   </p:cSld>
